--- a/Presentation/PPT.pptx
+++ b/Presentation/PPT.pptx
@@ -873,7 +873,7 @@
         </p:nvSpPr>
         <p:spPr>
           <a:xfrm>
-            <a:off x="381300" y="685800"/>
+            <a:off x="381000" y="685800"/>
             <a:ext cx="6096000" cy="3429000"/>
           </a:xfrm>
           <a:custGeom>
@@ -977,7 +977,7 @@
         </p:nvSpPr>
         <p:spPr>
           <a:xfrm>
-            <a:off x="381300" y="685800"/>
+            <a:off x="381000" y="685800"/>
             <a:ext cx="6096000" cy="3429000"/>
           </a:xfrm>
           <a:custGeom>
@@ -1081,7 +1081,7 @@
         </p:nvSpPr>
         <p:spPr>
           <a:xfrm>
-            <a:off x="381300" y="685800"/>
+            <a:off x="381000" y="685800"/>
             <a:ext cx="6096000" cy="3429000"/>
           </a:xfrm>
           <a:custGeom>
@@ -1809,7 +1809,7 @@
         </p:nvSpPr>
         <p:spPr>
           <a:xfrm>
-            <a:off x="381300" y="685800"/>
+            <a:off x="381000" y="685800"/>
             <a:ext cx="6096000" cy="3429000"/>
           </a:xfrm>
           <a:custGeom>
@@ -1913,7 +1913,7 @@
         </p:nvSpPr>
         <p:spPr>
           <a:xfrm>
-            <a:off x="381300" y="685800"/>
+            <a:off x="381000" y="685800"/>
             <a:ext cx="6096000" cy="3429000"/>
           </a:xfrm>
           <a:custGeom>
@@ -2329,7 +2329,7 @@
         </p:nvSpPr>
         <p:spPr>
           <a:xfrm>
-            <a:off x="381300" y="685800"/>
+            <a:off x="381000" y="685800"/>
             <a:ext cx="6096000" cy="3429000"/>
           </a:xfrm>
           <a:custGeom>
@@ -2641,7 +2641,7 @@
         </p:nvSpPr>
         <p:spPr>
           <a:xfrm>
-            <a:off x="381300" y="685800"/>
+            <a:off x="381000" y="685800"/>
             <a:ext cx="6096000" cy="3429000"/>
           </a:xfrm>
           <a:custGeom>
@@ -8754,7 +8754,7 @@
         </p:spPr>
         <p:txBody>
           <a:bodyPr spcFirstLastPara="1" wrap="square" lIns="91425" tIns="91425" rIns="91425" bIns="91425" anchor="t" anchorCtr="0">
-            <a:normAutofit lnSpcReduction="20000"/>
+            <a:normAutofit fontScale="92500" lnSpcReduction="20000"/>
           </a:bodyPr>
           <a:lstStyle/>
           <a:p>
@@ -8987,7 +8987,7 @@
         </p:spPr>
         <p:txBody>
           <a:bodyPr spcFirstLastPara="1" wrap="square" lIns="91425" tIns="91425" rIns="91425" bIns="91425" anchor="t" anchorCtr="0">
-            <a:normAutofit/>
+            <a:normAutofit lnSpcReduction="10000"/>
           </a:bodyPr>
           <a:lstStyle/>
           <a:p>
@@ -9372,7 +9372,7 @@
         </p:spPr>
         <p:txBody>
           <a:bodyPr spcFirstLastPara="1" wrap="square" lIns="91425" tIns="91425" rIns="91425" bIns="91425" anchor="t" anchorCtr="0">
-            <a:normAutofit/>
+            <a:normAutofit lnSpcReduction="10000"/>
           </a:bodyPr>
           <a:lstStyle/>
           <a:p>
@@ -11622,30 +11622,32 @@
       </p:sp>
       <p:pic>
         <p:nvPicPr>
-          <p:cNvPr id="187" name="Google Shape;187;p31"/>
-          <p:cNvPicPr preferRelativeResize="0"/>
+          <p:cNvPr id="3" name="Picture 2">
+            <a:extLst>
+              <a:ext uri="{FF2B5EF4-FFF2-40B4-BE49-F238E27FC236}">
+                <a16:creationId xmlns:a16="http://schemas.microsoft.com/office/drawing/2014/main" id="{434C7519-6B79-4141-8EDB-B912A07B21EC}"/>
+              </a:ext>
+            </a:extLst>
+          </p:cNvPr>
+          <p:cNvPicPr>
+            <a:picLocks noChangeAspect="1"/>
+          </p:cNvPicPr>
           <p:nvPr/>
         </p:nvPicPr>
         <p:blipFill>
-          <a:blip r:embed="rId3">
-            <a:alphaModFix/>
-          </a:blip>
+          <a:blip r:embed="rId3"/>
           <a:stretch>
             <a:fillRect/>
           </a:stretch>
         </p:blipFill>
         <p:spPr>
           <a:xfrm>
-            <a:off x="7364100" y="3364375"/>
-            <a:ext cx="1654518" cy="1637552"/>
+            <a:off x="7712202" y="3760076"/>
+            <a:ext cx="1297792" cy="1284458"/>
           </a:xfrm>
           <a:prstGeom prst="rect">
             <a:avLst/>
           </a:prstGeom>
-          <a:noFill/>
-          <a:ln>
-            <a:noFill/>
-          </a:ln>
         </p:spPr>
       </p:pic>
     </p:spTree>
@@ -11736,7 +11738,7 @@
         </p:spPr>
         <p:txBody>
           <a:bodyPr spcFirstLastPara="1" wrap="square" lIns="91425" tIns="91425" rIns="91425" bIns="91425" anchor="t" anchorCtr="0">
-            <a:normAutofit/>
+            <a:normAutofit lnSpcReduction="10000"/>
           </a:bodyPr>
           <a:lstStyle/>
           <a:p>
@@ -12768,7 +12770,7 @@
         </p:spPr>
         <p:txBody>
           <a:bodyPr spcFirstLastPara="1" wrap="square" lIns="91425" tIns="91425" rIns="91425" bIns="91425" anchor="t" anchorCtr="0">
-            <a:normAutofit/>
+            <a:normAutofit lnSpcReduction="10000"/>
           </a:bodyPr>
           <a:lstStyle/>
           <a:p>
@@ -13605,7 +13607,7 @@
         </p:spPr>
         <p:txBody>
           <a:bodyPr spcFirstLastPara="1" wrap="square" lIns="91425" tIns="91425" rIns="91425" bIns="91425" anchor="t" anchorCtr="0">
-            <a:normAutofit/>
+            <a:normAutofit lnSpcReduction="10000"/>
           </a:bodyPr>
           <a:lstStyle/>
           <a:p>
